--- a/powerpoint/JS.pptx
+++ b/powerpoint/JS.pptx
@@ -109,6 +109,11 @@
       </a:defRPr>
     </a:lvl9pPr>
   </p:defaultTextStyle>
+  <p:extLst>
+    <p:ext uri="{EFAFB233-063F-42B5-8137-9DF3F51BA10A}">
+      <p15:sldGuideLst xmlns:p15="http://schemas.microsoft.com/office/powerpoint/2012/main"/>
+    </p:ext>
+  </p:extLst>
 </p:presentation>
 </file>
 
@@ -6519,13 +6524,13 @@
         <p:spPr/>
         <p:txBody>
           <a:bodyPr>
-            <a:normAutofit fontScale="90000"/>
+            <a:normAutofit/>
           </a:bodyPr>
           <a:lstStyle/>
           <a:p>
             <a:r>
               <a:rPr lang="en-US" dirty="0"/>
-              <a:t>Event Propagation, Bubbling and Capturing</a:t>
+              <a:t>Event Propagation</a:t>
             </a:r>
           </a:p>
         </p:txBody>
@@ -7062,19 +7067,7 @@
               <a:rPr lang="en-US" b="1" cap="none" dirty="0">
                 <a:latin typeface="-apple-system"/>
               </a:rPr>
-              <a:t>. going </a:t>
-            </a:r>
-            <a:r>
-              <a:rPr lang="en-US" b="1" cap="none" dirty="0" err="1">
-                <a:latin typeface="-apple-system"/>
-              </a:rPr>
-              <a:t>sideWays</a:t>
-            </a:r>
-            <a:r>
-              <a:rPr lang="en-US" b="1" cap="none" dirty="0">
-                <a:latin typeface="-apple-system"/>
-              </a:rPr>
-              <a:t>, siblings:</a:t>
+              <a:t>. going sideways, siblings:</a:t>
             </a:r>
           </a:p>
           <a:p>
